--- a/MiniProjectPresentation.pptx
+++ b/MiniProjectPresentation.pptx
@@ -111,6 +111,11 @@
       </a:defRPr>
     </a:lvl9pPr>
   </p:defaultTextStyle>
+  <p:extLst>
+    <p:ext uri="{EFAFB233-063F-42B5-8137-9DF3F51BA10A}">
+      <p15:sldGuideLst xmlns:p15="http://schemas.microsoft.com/office/powerpoint/2012/main"/>
+    </p:ext>
+  </p:extLst>
 </p:presentation>
 </file>
 
@@ -171,7 +176,7 @@
           <a:noFill/>
           <a:extLst>
             <a:ext uri="{909E8E84-426E-40dd-AFC4-6F175D3DCCD1}">
-              <a14:hiddenFill xmlns:a14="http://schemas.microsoft.com/office/drawing/2010/main" xmlns="">
+              <a14:hiddenFill xmlns="" xmlns:a14="http://schemas.microsoft.com/office/drawing/2010/main">
                 <a:solidFill>
                   <a:srgbClr val="FFFFFF"/>
                 </a:solidFill>
@@ -230,7 +235,7 @@
             </a:ln>
             <a:extLst>
               <a:ext uri="{91240B29-F687-4f45-9708-019B960494DF}">
-                <a14:hiddenLine xmlns:a14="http://schemas.microsoft.com/office/drawing/2010/main" xmlns="" w="9525">
+                <a14:hiddenLine xmlns="" xmlns:a14="http://schemas.microsoft.com/office/drawing/2010/main" w="9525">
                   <a:solidFill>
                     <a:srgbClr val="000000"/>
                   </a:solidFill>
@@ -320,7 +325,7 @@
             </a:ln>
             <a:extLst>
               <a:ext uri="{91240B29-F687-4f45-9708-019B960494DF}">
-                <a14:hiddenLine xmlns:a14="http://schemas.microsoft.com/office/drawing/2010/main" xmlns="" w="9525">
+                <a14:hiddenLine xmlns="" xmlns:a14="http://schemas.microsoft.com/office/drawing/2010/main" w="9525">
                   <a:solidFill>
                     <a:srgbClr val="000000"/>
                   </a:solidFill>
@@ -410,7 +415,7 @@
             </a:ln>
             <a:extLst>
               <a:ext uri="{91240B29-F687-4f45-9708-019B960494DF}">
-                <a14:hiddenLine xmlns:a14="http://schemas.microsoft.com/office/drawing/2010/main" xmlns="" w="9525">
+                <a14:hiddenLine xmlns="" xmlns:a14="http://schemas.microsoft.com/office/drawing/2010/main" w="9525">
                   <a:solidFill>
                     <a:srgbClr val="000000"/>
                   </a:solidFill>
@@ -444,7 +449,7 @@
             </a:ln>
             <a:extLst>
               <a:ext uri="{91240B29-F687-4f45-9708-019B960494DF}">
-                <a14:hiddenLine xmlns:a14="http://schemas.microsoft.com/office/drawing/2010/main" xmlns="" w="9525">
+                <a14:hiddenLine xmlns="" xmlns:a14="http://schemas.microsoft.com/office/drawing/2010/main" w="9525">
                   <a:solidFill>
                     <a:srgbClr val="000000"/>
                   </a:solidFill>
@@ -534,7 +539,7 @@
             </a:ln>
             <a:extLst>
               <a:ext uri="{91240B29-F687-4f45-9708-019B960494DF}">
-                <a14:hiddenLine xmlns:a14="http://schemas.microsoft.com/office/drawing/2010/main" xmlns="" w="9525">
+                <a14:hiddenLine xmlns="" xmlns:a14="http://schemas.microsoft.com/office/drawing/2010/main" w="9525">
                   <a:solidFill>
                     <a:srgbClr val="000000"/>
                   </a:solidFill>
@@ -596,7 +601,7 @@
             </a:ln>
             <a:extLst>
               <a:ext uri="{91240B29-F687-4f45-9708-019B960494DF}">
-                <a14:hiddenLine xmlns:a14="http://schemas.microsoft.com/office/drawing/2010/main" xmlns="" w="9525">
+                <a14:hiddenLine xmlns="" xmlns:a14="http://schemas.microsoft.com/office/drawing/2010/main" w="9525">
                   <a:solidFill>
                     <a:srgbClr val="000000"/>
                   </a:solidFill>
@@ -658,7 +663,7 @@
             </a:ln>
             <a:extLst>
               <a:ext uri="{91240B29-F687-4f45-9708-019B960494DF}">
-                <a14:hiddenLine xmlns:a14="http://schemas.microsoft.com/office/drawing/2010/main" xmlns="" w="9525">
+                <a14:hiddenLine xmlns="" xmlns:a14="http://schemas.microsoft.com/office/drawing/2010/main" w="9525">
                   <a:solidFill>
                     <a:srgbClr val="000000"/>
                   </a:solidFill>
@@ -748,7 +753,7 @@
             </a:ln>
             <a:extLst>
               <a:ext uri="{91240B29-F687-4f45-9708-019B960494DF}">
-                <a14:hiddenLine xmlns:a14="http://schemas.microsoft.com/office/drawing/2010/main" xmlns="" w="9525">
+                <a14:hiddenLine xmlns="" xmlns:a14="http://schemas.microsoft.com/office/drawing/2010/main" w="9525">
                   <a:solidFill>
                     <a:srgbClr val="000000"/>
                   </a:solidFill>
@@ -810,7 +815,7 @@
             </a:ln>
             <a:extLst>
               <a:ext uri="{91240B29-F687-4f45-9708-019B960494DF}">
-                <a14:hiddenLine xmlns:a14="http://schemas.microsoft.com/office/drawing/2010/main" xmlns="" w="9525">
+                <a14:hiddenLine xmlns="" xmlns:a14="http://schemas.microsoft.com/office/drawing/2010/main" w="9525">
                   <a:solidFill>
                     <a:srgbClr val="000000"/>
                   </a:solidFill>
@@ -872,7 +877,7 @@
             </a:ln>
             <a:extLst>
               <a:ext uri="{91240B29-F687-4f45-9708-019B960494DF}">
-                <a14:hiddenLine xmlns:a14="http://schemas.microsoft.com/office/drawing/2010/main" xmlns="" w="9525">
+                <a14:hiddenLine xmlns="" xmlns:a14="http://schemas.microsoft.com/office/drawing/2010/main" w="9525">
                   <a:solidFill>
                     <a:srgbClr val="000000"/>
                   </a:solidFill>
@@ -962,7 +967,7 @@
             </a:ln>
             <a:extLst>
               <a:ext uri="{91240B29-F687-4f45-9708-019B960494DF}">
-                <a14:hiddenLine xmlns:a14="http://schemas.microsoft.com/office/drawing/2010/main" xmlns="" w="9525">
+                <a14:hiddenLine xmlns="" xmlns:a14="http://schemas.microsoft.com/office/drawing/2010/main" w="9525">
                   <a:solidFill>
                     <a:srgbClr val="000000"/>
                   </a:solidFill>
@@ -1052,7 +1057,7 @@
             </a:ln>
             <a:extLst>
               <a:ext uri="{91240B29-F687-4f45-9708-019B960494DF}">
-                <a14:hiddenLine xmlns:a14="http://schemas.microsoft.com/office/drawing/2010/main" xmlns="" w="9525">
+                <a14:hiddenLine xmlns="" xmlns:a14="http://schemas.microsoft.com/office/drawing/2010/main" w="9525">
                   <a:solidFill>
                     <a:srgbClr val="000000"/>
                   </a:solidFill>
@@ -1114,7 +1119,7 @@
             </a:ln>
             <a:extLst>
               <a:ext uri="{91240B29-F687-4f45-9708-019B960494DF}">
-                <a14:hiddenLine xmlns:a14="http://schemas.microsoft.com/office/drawing/2010/main" xmlns="" w="9525">
+                <a14:hiddenLine xmlns="" xmlns:a14="http://schemas.microsoft.com/office/drawing/2010/main" w="9525">
                   <a:solidFill>
                     <a:srgbClr val="000000"/>
                   </a:solidFill>
@@ -1224,7 +1229,7 @@
             </a:ln>
             <a:extLst>
               <a:ext uri="{91240B29-F687-4f45-9708-019B960494DF}">
-                <a14:hiddenLine xmlns:a14="http://schemas.microsoft.com/office/drawing/2010/main" xmlns="" w="9525">
+                <a14:hiddenLine xmlns="" xmlns:a14="http://schemas.microsoft.com/office/drawing/2010/main" w="9525">
                   <a:solidFill>
                     <a:srgbClr val="000000"/>
                   </a:solidFill>
@@ -1286,7 +1291,7 @@
             </a:ln>
             <a:extLst>
               <a:ext uri="{91240B29-F687-4f45-9708-019B960494DF}">
-                <a14:hiddenLine xmlns:a14="http://schemas.microsoft.com/office/drawing/2010/main" xmlns="" w="9525">
+                <a14:hiddenLine xmlns="" xmlns:a14="http://schemas.microsoft.com/office/drawing/2010/main" w="9525">
                   <a:solidFill>
                     <a:srgbClr val="000000"/>
                   </a:solidFill>
@@ -1376,7 +1381,7 @@
             </a:ln>
             <a:extLst>
               <a:ext uri="{91240B29-F687-4f45-9708-019B960494DF}">
-                <a14:hiddenLine xmlns:a14="http://schemas.microsoft.com/office/drawing/2010/main" xmlns="" w="9525">
+                <a14:hiddenLine xmlns="" xmlns:a14="http://schemas.microsoft.com/office/drawing/2010/main" w="9525">
                   <a:solidFill>
                     <a:srgbClr val="000000"/>
                   </a:solidFill>
@@ -1466,7 +1471,7 @@
             </a:ln>
             <a:extLst>
               <a:ext uri="{91240B29-F687-4f45-9708-019B960494DF}">
-                <a14:hiddenLine xmlns:a14="http://schemas.microsoft.com/office/drawing/2010/main" xmlns="" w="9525">
+                <a14:hiddenLine xmlns="" xmlns:a14="http://schemas.microsoft.com/office/drawing/2010/main" w="9525">
                   <a:solidFill>
                     <a:srgbClr val="000000"/>
                   </a:solidFill>
@@ -1528,7 +1533,7 @@
             </a:ln>
             <a:extLst>
               <a:ext uri="{91240B29-F687-4f45-9708-019B960494DF}">
-                <a14:hiddenLine xmlns:a14="http://schemas.microsoft.com/office/drawing/2010/main" xmlns="" w="9525">
+                <a14:hiddenLine xmlns="" xmlns:a14="http://schemas.microsoft.com/office/drawing/2010/main" w="9525">
                   <a:solidFill>
                     <a:srgbClr val="000000"/>
                   </a:solidFill>
@@ -1618,7 +1623,7 @@
             </a:ln>
             <a:extLst>
               <a:ext uri="{91240B29-F687-4f45-9708-019B960494DF}">
-                <a14:hiddenLine xmlns:a14="http://schemas.microsoft.com/office/drawing/2010/main" xmlns="" w="9525">
+                <a14:hiddenLine xmlns="" xmlns:a14="http://schemas.microsoft.com/office/drawing/2010/main" w="9525">
                   <a:solidFill>
                     <a:srgbClr val="000000"/>
                   </a:solidFill>
@@ -1708,7 +1713,7 @@
             </a:ln>
             <a:extLst>
               <a:ext uri="{91240B29-F687-4f45-9708-019B960494DF}">
-                <a14:hiddenLine xmlns:a14="http://schemas.microsoft.com/office/drawing/2010/main" xmlns="" w="9525">
+                <a14:hiddenLine xmlns="" xmlns:a14="http://schemas.microsoft.com/office/drawing/2010/main" w="9525">
                   <a:solidFill>
                     <a:srgbClr val="000000"/>
                   </a:solidFill>
@@ -1764,7 +1769,7 @@
             </a:ln>
             <a:extLst>
               <a:ext uri="{91240B29-F687-4f45-9708-019B960494DF}">
-                <a14:hiddenLine xmlns:a14="http://schemas.microsoft.com/office/drawing/2010/main" xmlns="" w="9525">
+                <a14:hiddenLine xmlns="" xmlns:a14="http://schemas.microsoft.com/office/drawing/2010/main" w="9525">
                   <a:solidFill>
                     <a:srgbClr val="000000"/>
                   </a:solidFill>
@@ -1854,7 +1859,7 @@
             </a:ln>
             <a:extLst>
               <a:ext uri="{91240B29-F687-4f45-9708-019B960494DF}">
-                <a14:hiddenLine xmlns:a14="http://schemas.microsoft.com/office/drawing/2010/main" xmlns="" w="9525">
+                <a14:hiddenLine xmlns="" xmlns:a14="http://schemas.microsoft.com/office/drawing/2010/main" w="9525">
                   <a:solidFill>
                     <a:srgbClr val="000000"/>
                   </a:solidFill>
@@ -1910,7 +1915,7 @@
             </a:ln>
             <a:extLst>
               <a:ext uri="{91240B29-F687-4f45-9708-019B960494DF}">
-                <a14:hiddenLine xmlns:a14="http://schemas.microsoft.com/office/drawing/2010/main" xmlns="" w="9525">
+                <a14:hiddenLine xmlns="" xmlns:a14="http://schemas.microsoft.com/office/drawing/2010/main" w="9525">
                   <a:solidFill>
                     <a:srgbClr val="000000"/>
                   </a:solidFill>
@@ -2000,7 +2005,7 @@
             </a:ln>
             <a:extLst>
               <a:ext uri="{91240B29-F687-4f45-9708-019B960494DF}">
-                <a14:hiddenLine xmlns:a14="http://schemas.microsoft.com/office/drawing/2010/main" xmlns="" w="9525">
+                <a14:hiddenLine xmlns="" xmlns:a14="http://schemas.microsoft.com/office/drawing/2010/main" w="9525">
                   <a:solidFill>
                     <a:srgbClr val="000000"/>
                   </a:solidFill>
@@ -2068,7 +2073,7 @@
             </a:ln>
             <a:extLst>
               <a:ext uri="{91240B29-F687-4f45-9708-019B960494DF}">
-                <a14:hiddenLine xmlns:a14="http://schemas.microsoft.com/office/drawing/2010/main" xmlns="" w="9525">
+                <a14:hiddenLine xmlns="" xmlns:a14="http://schemas.microsoft.com/office/drawing/2010/main" w="9525">
                   <a:solidFill>
                     <a:srgbClr val="000000"/>
                   </a:solidFill>
@@ -2158,7 +2163,7 @@
             </a:ln>
             <a:extLst>
               <a:ext uri="{91240B29-F687-4f45-9708-019B960494DF}">
-                <a14:hiddenLine xmlns:a14="http://schemas.microsoft.com/office/drawing/2010/main" xmlns="" w="9525">
+                <a14:hiddenLine xmlns="" xmlns:a14="http://schemas.microsoft.com/office/drawing/2010/main" w="9525">
                   <a:solidFill>
                     <a:srgbClr val="000000"/>
                   </a:solidFill>
@@ -2226,7 +2231,7 @@
             </a:ln>
             <a:extLst>
               <a:ext uri="{91240B29-F687-4f45-9708-019B960494DF}">
-                <a14:hiddenLine xmlns:a14="http://schemas.microsoft.com/office/drawing/2010/main" xmlns="" w="9525">
+                <a14:hiddenLine xmlns="" xmlns:a14="http://schemas.microsoft.com/office/drawing/2010/main" w="9525">
                   <a:solidFill>
                     <a:srgbClr val="000000"/>
                   </a:solidFill>
@@ -2316,7 +2321,7 @@
             </a:ln>
             <a:extLst>
               <a:ext uri="{91240B29-F687-4f45-9708-019B960494DF}">
-                <a14:hiddenLine xmlns:a14="http://schemas.microsoft.com/office/drawing/2010/main" xmlns="" w="9525">
+                <a14:hiddenLine xmlns="" xmlns:a14="http://schemas.microsoft.com/office/drawing/2010/main" w="9525">
                   <a:solidFill>
                     <a:srgbClr val="000000"/>
                   </a:solidFill>
@@ -2350,7 +2355,7 @@
             </a:ln>
             <a:extLst>
               <a:ext uri="{91240B29-F687-4f45-9708-019B960494DF}">
-                <a14:hiddenLine xmlns:a14="http://schemas.microsoft.com/office/drawing/2010/main" xmlns="" w="9525">
+                <a14:hiddenLine xmlns="" xmlns:a14="http://schemas.microsoft.com/office/drawing/2010/main" w="9525">
                   <a:solidFill>
                     <a:srgbClr val="000000"/>
                   </a:solidFill>
@@ -2440,7 +2445,7 @@
             </a:ln>
             <a:extLst>
               <a:ext uri="{91240B29-F687-4f45-9708-019B960494DF}">
-                <a14:hiddenLine xmlns:a14="http://schemas.microsoft.com/office/drawing/2010/main" xmlns="" w="9525">
+                <a14:hiddenLine xmlns="" xmlns:a14="http://schemas.microsoft.com/office/drawing/2010/main" w="9525">
                   <a:solidFill>
                     <a:srgbClr val="000000"/>
                   </a:solidFill>
@@ -2502,7 +2507,7 @@
             </a:ln>
             <a:extLst>
               <a:ext uri="{91240B29-F687-4f45-9708-019B960494DF}">
-                <a14:hiddenLine xmlns:a14="http://schemas.microsoft.com/office/drawing/2010/main" xmlns="" w="9525">
+                <a14:hiddenLine xmlns="" xmlns:a14="http://schemas.microsoft.com/office/drawing/2010/main" w="9525">
                   <a:solidFill>
                     <a:srgbClr val="000000"/>
                   </a:solidFill>
@@ -2564,7 +2569,7 @@
             </a:ln>
             <a:extLst>
               <a:ext uri="{91240B29-F687-4f45-9708-019B960494DF}">
-                <a14:hiddenLine xmlns:a14="http://schemas.microsoft.com/office/drawing/2010/main" xmlns="" w="9525">
+                <a14:hiddenLine xmlns="" xmlns:a14="http://schemas.microsoft.com/office/drawing/2010/main" w="9525">
                   <a:solidFill>
                     <a:srgbClr val="000000"/>
                   </a:solidFill>
@@ -2654,7 +2659,7 @@
             </a:ln>
             <a:extLst>
               <a:ext uri="{91240B29-F687-4f45-9708-019B960494DF}">
-                <a14:hiddenLine xmlns:a14="http://schemas.microsoft.com/office/drawing/2010/main" xmlns="" w="9525">
+                <a14:hiddenLine xmlns="" xmlns:a14="http://schemas.microsoft.com/office/drawing/2010/main" w="9525">
                   <a:solidFill>
                     <a:srgbClr val="000000"/>
                   </a:solidFill>
@@ -2722,7 +2727,7 @@
             </a:ln>
             <a:extLst>
               <a:ext uri="{91240B29-F687-4f45-9708-019B960494DF}">
-                <a14:hiddenLine xmlns:a14="http://schemas.microsoft.com/office/drawing/2010/main" xmlns="" w="9525">
+                <a14:hiddenLine xmlns="" xmlns:a14="http://schemas.microsoft.com/office/drawing/2010/main" w="9525">
                   <a:solidFill>
                     <a:srgbClr val="000000"/>
                   </a:solidFill>
@@ -2784,7 +2789,7 @@
             </a:ln>
             <a:extLst>
               <a:ext uri="{91240B29-F687-4f45-9708-019B960494DF}">
-                <a14:hiddenLine xmlns:a14="http://schemas.microsoft.com/office/drawing/2010/main" xmlns="" w="9525">
+                <a14:hiddenLine xmlns="" xmlns:a14="http://schemas.microsoft.com/office/drawing/2010/main" w="9525">
                   <a:solidFill>
                     <a:srgbClr val="000000"/>
                   </a:solidFill>
@@ -2874,7 +2879,7 @@
             </a:ln>
             <a:extLst>
               <a:ext uri="{91240B29-F687-4f45-9708-019B960494DF}">
-                <a14:hiddenLine xmlns:a14="http://schemas.microsoft.com/office/drawing/2010/main" xmlns="" w="9525">
+                <a14:hiddenLine xmlns="" xmlns:a14="http://schemas.microsoft.com/office/drawing/2010/main" w="9525">
                   <a:solidFill>
                     <a:srgbClr val="000000"/>
                   </a:solidFill>
@@ -2936,7 +2941,7 @@
             </a:ln>
             <a:extLst>
               <a:ext uri="{91240B29-F687-4f45-9708-019B960494DF}">
-                <a14:hiddenLine xmlns:a14="http://schemas.microsoft.com/office/drawing/2010/main" xmlns="" w="9525">
+                <a14:hiddenLine xmlns="" xmlns:a14="http://schemas.microsoft.com/office/drawing/2010/main" w="9525">
                   <a:solidFill>
                     <a:srgbClr val="000000"/>
                   </a:solidFill>
@@ -3026,7 +3031,7 @@
             </a:ln>
             <a:extLst>
               <a:ext uri="{91240B29-F687-4f45-9708-019B960494DF}">
-                <a14:hiddenLine xmlns:a14="http://schemas.microsoft.com/office/drawing/2010/main" xmlns="" w="9525">
+                <a14:hiddenLine xmlns="" xmlns:a14="http://schemas.microsoft.com/office/drawing/2010/main" w="9525">
                   <a:solidFill>
                     <a:srgbClr val="000000"/>
                   </a:solidFill>
@@ -3088,7 +3093,7 @@
             </a:ln>
             <a:extLst>
               <a:ext uri="{91240B29-F687-4f45-9708-019B960494DF}">
-                <a14:hiddenLine xmlns:a14="http://schemas.microsoft.com/office/drawing/2010/main" xmlns="" w="9525">
+                <a14:hiddenLine xmlns="" xmlns:a14="http://schemas.microsoft.com/office/drawing/2010/main" w="9525">
                   <a:solidFill>
                     <a:srgbClr val="000000"/>
                   </a:solidFill>
@@ -3178,7 +3183,7 @@
             </a:ln>
             <a:extLst>
               <a:ext uri="{91240B29-F687-4f45-9708-019B960494DF}">
-                <a14:hiddenLine xmlns:a14="http://schemas.microsoft.com/office/drawing/2010/main" xmlns="" w="9525">
+                <a14:hiddenLine xmlns="" xmlns:a14="http://schemas.microsoft.com/office/drawing/2010/main" w="9525">
                   <a:solidFill>
                     <a:srgbClr val="000000"/>
                   </a:solidFill>
@@ -3212,7 +3217,7 @@
             </a:ln>
             <a:extLst>
               <a:ext uri="{91240B29-F687-4f45-9708-019B960494DF}">
-                <a14:hiddenLine xmlns:a14="http://schemas.microsoft.com/office/drawing/2010/main" xmlns="" w="9525">
+                <a14:hiddenLine xmlns="" xmlns:a14="http://schemas.microsoft.com/office/drawing/2010/main" w="9525">
                   <a:solidFill>
                     <a:srgbClr val="000000"/>
                   </a:solidFill>
@@ -3277,7 +3282,7 @@
             </a:ln>
             <a:extLst>
               <a:ext uri="{91240B29-F687-4f45-9708-019B960494DF}">
-                <a14:hiddenLine xmlns:a14="http://schemas.microsoft.com/office/drawing/2010/main" xmlns="" w="9525">
+                <a14:hiddenLine xmlns="" xmlns:a14="http://schemas.microsoft.com/office/drawing/2010/main" w="9525">
                   <a:solidFill>
                     <a:srgbClr val="000000"/>
                   </a:solidFill>
@@ -3367,7 +3372,7 @@
             </a:ln>
             <a:extLst>
               <a:ext uri="{91240B29-F687-4f45-9708-019B960494DF}">
-                <a14:hiddenLine xmlns:a14="http://schemas.microsoft.com/office/drawing/2010/main" xmlns="" w="9525">
+                <a14:hiddenLine xmlns="" xmlns:a14="http://schemas.microsoft.com/office/drawing/2010/main" w="9525">
                   <a:solidFill>
                     <a:srgbClr val="000000"/>
                   </a:solidFill>
@@ -3429,7 +3434,7 @@
             </a:ln>
             <a:extLst>
               <a:ext uri="{91240B29-F687-4f45-9708-019B960494DF}">
-                <a14:hiddenLine xmlns:a14="http://schemas.microsoft.com/office/drawing/2010/main" xmlns="" w="9525">
+                <a14:hiddenLine xmlns="" xmlns:a14="http://schemas.microsoft.com/office/drawing/2010/main" w="9525">
                   <a:solidFill>
                     <a:srgbClr val="000000"/>
                   </a:solidFill>
@@ -3519,7 +3524,7 @@
             </a:ln>
             <a:extLst>
               <a:ext uri="{91240B29-F687-4f45-9708-019B960494DF}">
-                <a14:hiddenLine xmlns:a14="http://schemas.microsoft.com/office/drawing/2010/main" xmlns="" w="9525">
+                <a14:hiddenLine xmlns="" xmlns:a14="http://schemas.microsoft.com/office/drawing/2010/main" w="9525">
                   <a:solidFill>
                     <a:srgbClr val="000000"/>
                   </a:solidFill>
@@ -3609,7 +3614,7 @@
             </a:ln>
             <a:extLst>
               <a:ext uri="{91240B29-F687-4f45-9708-019B960494DF}">
-                <a14:hiddenLine xmlns:a14="http://schemas.microsoft.com/office/drawing/2010/main" xmlns="" w="9525">
+                <a14:hiddenLine xmlns="" xmlns:a14="http://schemas.microsoft.com/office/drawing/2010/main" w="9525">
                   <a:solidFill>
                     <a:srgbClr val="000000"/>
                   </a:solidFill>
@@ -3674,7 +3679,7 @@
             </a:ln>
             <a:extLst>
               <a:ext uri="{91240B29-F687-4f45-9708-019B960494DF}">
-                <a14:hiddenLine xmlns:a14="http://schemas.microsoft.com/office/drawing/2010/main" xmlns="" w="9525">
+                <a14:hiddenLine xmlns="" xmlns:a14="http://schemas.microsoft.com/office/drawing/2010/main" w="9525">
                   <a:solidFill>
                     <a:srgbClr val="000000"/>
                   </a:solidFill>
@@ -3736,7 +3741,7 @@
             </a:ln>
             <a:extLst>
               <a:ext uri="{91240B29-F687-4f45-9708-019B960494DF}">
-                <a14:hiddenLine xmlns:a14="http://schemas.microsoft.com/office/drawing/2010/main" xmlns="" w="9525">
+                <a14:hiddenLine xmlns="" xmlns:a14="http://schemas.microsoft.com/office/drawing/2010/main" w="9525">
                   <a:solidFill>
                     <a:srgbClr val="000000"/>
                   </a:solidFill>
@@ -3826,7 +3831,7 @@
             </a:ln>
             <a:extLst>
               <a:ext uri="{91240B29-F687-4f45-9708-019B960494DF}">
-                <a14:hiddenLine xmlns:a14="http://schemas.microsoft.com/office/drawing/2010/main" xmlns="" w="9525">
+                <a14:hiddenLine xmlns="" xmlns:a14="http://schemas.microsoft.com/office/drawing/2010/main" w="9525">
                   <a:solidFill>
                     <a:srgbClr val="000000"/>
                   </a:solidFill>
@@ -3916,7 +3921,7 @@
             </a:ln>
             <a:extLst>
               <a:ext uri="{91240B29-F687-4f45-9708-019B960494DF}">
-                <a14:hiddenLine xmlns:a14="http://schemas.microsoft.com/office/drawing/2010/main" xmlns="" w="9525">
+                <a14:hiddenLine xmlns="" xmlns:a14="http://schemas.microsoft.com/office/drawing/2010/main" w="9525">
                   <a:solidFill>
                     <a:srgbClr val="000000"/>
                   </a:solidFill>
@@ -3978,7 +3983,7 @@
             </a:ln>
             <a:extLst>
               <a:ext uri="{91240B29-F687-4f45-9708-019B960494DF}">
-                <a14:hiddenLine xmlns:a14="http://schemas.microsoft.com/office/drawing/2010/main" xmlns="" w="9525">
+                <a14:hiddenLine xmlns="" xmlns:a14="http://schemas.microsoft.com/office/drawing/2010/main" w="9525">
                   <a:solidFill>
                     <a:srgbClr val="000000"/>
                   </a:solidFill>
@@ -4098,7 +4103,7 @@
             </a:ln>
             <a:extLst>
               <a:ext uri="{91240B29-F687-4f45-9708-019B960494DF}">
-                <a14:hiddenLine xmlns:a14="http://schemas.microsoft.com/office/drawing/2010/main" xmlns="" w="9525">
+                <a14:hiddenLine xmlns="" xmlns:a14="http://schemas.microsoft.com/office/drawing/2010/main" w="9525">
                   <a:solidFill>
                     <a:srgbClr val="000000"/>
                   </a:solidFill>
@@ -4166,7 +4171,7 @@
             </a:ln>
             <a:extLst>
               <a:ext uri="{91240B29-F687-4f45-9708-019B960494DF}">
-                <a14:hiddenLine xmlns:a14="http://schemas.microsoft.com/office/drawing/2010/main" xmlns="" w="9525">
+                <a14:hiddenLine xmlns="" xmlns:a14="http://schemas.microsoft.com/office/drawing/2010/main" w="9525">
                   <a:solidFill>
                     <a:srgbClr val="000000"/>
                   </a:solidFill>
@@ -4256,7 +4261,7 @@
             </a:ln>
             <a:extLst>
               <a:ext uri="{91240B29-F687-4f45-9708-019B960494DF}">
-                <a14:hiddenLine xmlns:a14="http://schemas.microsoft.com/office/drawing/2010/main" xmlns="" w="9525">
+                <a14:hiddenLine xmlns="" xmlns:a14="http://schemas.microsoft.com/office/drawing/2010/main" w="9525">
                   <a:solidFill>
                     <a:srgbClr val="000000"/>
                   </a:solidFill>
@@ -8985,7 +8990,7 @@
           <a:noFill/>
           <a:extLst>
             <a:ext uri="{909E8E84-426E-40dd-AFC4-6F175D3DCCD1}">
-              <a14:hiddenFill xmlns:a14="http://schemas.microsoft.com/office/drawing/2010/main" xmlns="">
+              <a14:hiddenFill xmlns="" xmlns:a14="http://schemas.microsoft.com/office/drawing/2010/main">
                 <a:solidFill>
                   <a:srgbClr val="FFFFFF"/>
                 </a:solidFill>
@@ -9059,7 +9064,7 @@
               </a:ln>
               <a:extLst>
                 <a:ext uri="{91240B29-F687-4f45-9708-019B960494DF}">
-                  <a14:hiddenLine xmlns:a14="http://schemas.microsoft.com/office/drawing/2010/main" xmlns="" w="9525">
+                  <a14:hiddenLine xmlns="" xmlns:a14="http://schemas.microsoft.com/office/drawing/2010/main" w="9525">
                     <a:solidFill>
                       <a:srgbClr val="000000"/>
                     </a:solidFill>
@@ -9149,7 +9154,7 @@
               </a:ln>
               <a:extLst>
                 <a:ext uri="{91240B29-F687-4f45-9708-019B960494DF}">
-                  <a14:hiddenLine xmlns:a14="http://schemas.microsoft.com/office/drawing/2010/main" xmlns="" w="9525">
+                  <a14:hiddenLine xmlns="" xmlns:a14="http://schemas.microsoft.com/office/drawing/2010/main" w="9525">
                     <a:solidFill>
                       <a:srgbClr val="000000"/>
                     </a:solidFill>
@@ -9239,7 +9244,7 @@
               </a:ln>
               <a:extLst>
                 <a:ext uri="{91240B29-F687-4f45-9708-019B960494DF}">
-                  <a14:hiddenLine xmlns:a14="http://schemas.microsoft.com/office/drawing/2010/main" xmlns="" w="9525">
+                  <a14:hiddenLine xmlns="" xmlns:a14="http://schemas.microsoft.com/office/drawing/2010/main" w="9525">
                     <a:solidFill>
                       <a:srgbClr val="000000"/>
                     </a:solidFill>
@@ -9301,7 +9306,7 @@
               </a:ln>
               <a:extLst>
                 <a:ext uri="{91240B29-F687-4f45-9708-019B960494DF}">
-                  <a14:hiddenLine xmlns:a14="http://schemas.microsoft.com/office/drawing/2010/main" xmlns="" w="9525">
+                  <a14:hiddenLine xmlns="" xmlns:a14="http://schemas.microsoft.com/office/drawing/2010/main" w="9525">
                     <a:solidFill>
                       <a:srgbClr val="000000"/>
                     </a:solidFill>
@@ -9391,7 +9396,7 @@
               </a:ln>
               <a:extLst>
                 <a:ext uri="{91240B29-F687-4f45-9708-019B960494DF}">
-                  <a14:hiddenLine xmlns:a14="http://schemas.microsoft.com/office/drawing/2010/main" xmlns="" w="9525">
+                  <a14:hiddenLine xmlns="" xmlns:a14="http://schemas.microsoft.com/office/drawing/2010/main" w="9525">
                     <a:solidFill>
                       <a:srgbClr val="000000"/>
                     </a:solidFill>
@@ -9453,7 +9458,7 @@
               </a:ln>
               <a:extLst>
                 <a:ext uri="{91240B29-F687-4f45-9708-019B960494DF}">
-                  <a14:hiddenLine xmlns:a14="http://schemas.microsoft.com/office/drawing/2010/main" xmlns="" w="9525">
+                  <a14:hiddenLine xmlns="" xmlns:a14="http://schemas.microsoft.com/office/drawing/2010/main" w="9525">
                     <a:solidFill>
                       <a:srgbClr val="000000"/>
                     </a:solidFill>
@@ -9515,7 +9520,7 @@
               </a:ln>
               <a:extLst>
                 <a:ext uri="{91240B29-F687-4f45-9708-019B960494DF}">
-                  <a14:hiddenLine xmlns:a14="http://schemas.microsoft.com/office/drawing/2010/main" xmlns="" w="9525">
+                  <a14:hiddenLine xmlns="" xmlns:a14="http://schemas.microsoft.com/office/drawing/2010/main" w="9525">
                     <a:solidFill>
                       <a:srgbClr val="000000"/>
                     </a:solidFill>
@@ -9605,7 +9610,7 @@
               </a:ln>
               <a:extLst>
                 <a:ext uri="{91240B29-F687-4f45-9708-019B960494DF}">
-                  <a14:hiddenLine xmlns:a14="http://schemas.microsoft.com/office/drawing/2010/main" xmlns="" w="9525">
+                  <a14:hiddenLine xmlns="" xmlns:a14="http://schemas.microsoft.com/office/drawing/2010/main" w="9525">
                     <a:solidFill>
                       <a:srgbClr val="000000"/>
                     </a:solidFill>
@@ -9695,7 +9700,7 @@
               </a:ln>
               <a:extLst>
                 <a:ext uri="{91240B29-F687-4f45-9708-019B960494DF}">
-                  <a14:hiddenLine xmlns:a14="http://schemas.microsoft.com/office/drawing/2010/main" xmlns="" w="9525">
+                  <a14:hiddenLine xmlns="" xmlns:a14="http://schemas.microsoft.com/office/drawing/2010/main" w="9525">
                     <a:solidFill>
                       <a:srgbClr val="000000"/>
                     </a:solidFill>
@@ -9757,7 +9762,7 @@
               </a:ln>
               <a:extLst>
                 <a:ext uri="{91240B29-F687-4f45-9708-019B960494DF}">
-                  <a14:hiddenLine xmlns:a14="http://schemas.microsoft.com/office/drawing/2010/main" xmlns="" w="9525">
+                  <a14:hiddenLine xmlns="" xmlns:a14="http://schemas.microsoft.com/office/drawing/2010/main" w="9525">
                     <a:solidFill>
                       <a:srgbClr val="000000"/>
                     </a:solidFill>
@@ -9867,7 +9872,7 @@
               </a:ln>
               <a:extLst>
                 <a:ext uri="{91240B29-F687-4f45-9708-019B960494DF}">
-                  <a14:hiddenLine xmlns:a14="http://schemas.microsoft.com/office/drawing/2010/main" xmlns="" w="9525">
+                  <a14:hiddenLine xmlns="" xmlns:a14="http://schemas.microsoft.com/office/drawing/2010/main" w="9525">
                     <a:solidFill>
                       <a:srgbClr val="000000"/>
                     </a:solidFill>
@@ -9951,7 +9956,7 @@
               </a:ln>
               <a:extLst>
                 <a:ext uri="{91240B29-F687-4f45-9708-019B960494DF}">
-                  <a14:hiddenLine xmlns:a14="http://schemas.microsoft.com/office/drawing/2010/main" xmlns="" w="9525">
+                  <a14:hiddenLine xmlns="" xmlns:a14="http://schemas.microsoft.com/office/drawing/2010/main" w="9525">
                     <a:solidFill>
                       <a:srgbClr val="000000"/>
                     </a:solidFill>
@@ -10013,7 +10018,7 @@
               </a:ln>
               <a:extLst>
                 <a:ext uri="{91240B29-F687-4f45-9708-019B960494DF}">
-                  <a14:hiddenLine xmlns:a14="http://schemas.microsoft.com/office/drawing/2010/main" xmlns="" w="9525">
+                  <a14:hiddenLine xmlns="" xmlns:a14="http://schemas.microsoft.com/office/drawing/2010/main" w="9525">
                     <a:solidFill>
                       <a:srgbClr val="000000"/>
                     </a:solidFill>
@@ -10075,7 +10080,7 @@
               </a:ln>
               <a:extLst>
                 <a:ext uri="{91240B29-F687-4f45-9708-019B960494DF}">
-                  <a14:hiddenLine xmlns:a14="http://schemas.microsoft.com/office/drawing/2010/main" xmlns="" w="9525">
+                  <a14:hiddenLine xmlns="" xmlns:a14="http://schemas.microsoft.com/office/drawing/2010/main" w="9525">
                     <a:solidFill>
                       <a:srgbClr val="000000"/>
                     </a:solidFill>
@@ -10165,7 +10170,7 @@
               </a:ln>
               <a:extLst>
                 <a:ext uri="{91240B29-F687-4f45-9708-019B960494DF}">
-                  <a14:hiddenLine xmlns:a14="http://schemas.microsoft.com/office/drawing/2010/main" xmlns="" w="9525">
+                  <a14:hiddenLine xmlns="" xmlns:a14="http://schemas.microsoft.com/office/drawing/2010/main" w="9525">
                     <a:solidFill>
                       <a:srgbClr val="000000"/>
                     </a:solidFill>
@@ -10199,7 +10204,7 @@
               </a:ln>
               <a:extLst>
                 <a:ext uri="{91240B29-F687-4f45-9708-019B960494DF}">
-                  <a14:hiddenLine xmlns:a14="http://schemas.microsoft.com/office/drawing/2010/main" xmlns="" w="9525">
+                  <a14:hiddenLine xmlns="" xmlns:a14="http://schemas.microsoft.com/office/drawing/2010/main" w="9525">
                     <a:solidFill>
                       <a:srgbClr val="000000"/>
                     </a:solidFill>
@@ -10264,7 +10269,7 @@
               </a:ln>
               <a:extLst>
                 <a:ext uri="{91240B29-F687-4f45-9708-019B960494DF}">
-                  <a14:hiddenLine xmlns:a14="http://schemas.microsoft.com/office/drawing/2010/main" xmlns="" w="9525">
+                  <a14:hiddenLine xmlns="" xmlns:a14="http://schemas.microsoft.com/office/drawing/2010/main" w="9525">
                     <a:solidFill>
                       <a:srgbClr val="000000"/>
                     </a:solidFill>
@@ -10354,7 +10359,7 @@
               </a:ln>
               <a:extLst>
                 <a:ext uri="{91240B29-F687-4f45-9708-019B960494DF}">
-                  <a14:hiddenLine xmlns:a14="http://schemas.microsoft.com/office/drawing/2010/main" xmlns="" w="9525">
+                  <a14:hiddenLine xmlns="" xmlns:a14="http://schemas.microsoft.com/office/drawing/2010/main" w="9525">
                     <a:solidFill>
                       <a:srgbClr val="000000"/>
                     </a:solidFill>
@@ -10416,7 +10421,7 @@
               </a:ln>
               <a:extLst>
                 <a:ext uri="{91240B29-F687-4f45-9708-019B960494DF}">
-                  <a14:hiddenLine xmlns:a14="http://schemas.microsoft.com/office/drawing/2010/main" xmlns="" w="9525">
+                  <a14:hiddenLine xmlns="" xmlns:a14="http://schemas.microsoft.com/office/drawing/2010/main" w="9525">
                     <a:solidFill>
                       <a:srgbClr val="000000"/>
                     </a:solidFill>
@@ -10506,7 +10511,7 @@
               </a:ln>
               <a:extLst>
                 <a:ext uri="{91240B29-F687-4f45-9708-019B960494DF}">
-                  <a14:hiddenLine xmlns:a14="http://schemas.microsoft.com/office/drawing/2010/main" xmlns="" w="9525">
+                  <a14:hiddenLine xmlns="" xmlns:a14="http://schemas.microsoft.com/office/drawing/2010/main" w="9525">
                     <a:solidFill>
                       <a:srgbClr val="000000"/>
                     </a:solidFill>
@@ -10571,7 +10576,7 @@
               </a:ln>
               <a:extLst>
                 <a:ext uri="{91240B29-F687-4f45-9708-019B960494DF}">
-                  <a14:hiddenLine xmlns:a14="http://schemas.microsoft.com/office/drawing/2010/main" xmlns="" w="9525">
+                  <a14:hiddenLine xmlns="" xmlns:a14="http://schemas.microsoft.com/office/drawing/2010/main" w="9525">
                     <a:solidFill>
                       <a:srgbClr val="000000"/>
                     </a:solidFill>
@@ -10633,7 +10638,7 @@
               </a:ln>
               <a:extLst>
                 <a:ext uri="{91240B29-F687-4f45-9708-019B960494DF}">
-                  <a14:hiddenLine xmlns:a14="http://schemas.microsoft.com/office/drawing/2010/main" xmlns="" w="9525">
+                  <a14:hiddenLine xmlns="" xmlns:a14="http://schemas.microsoft.com/office/drawing/2010/main" w="9525">
                     <a:solidFill>
                       <a:srgbClr val="000000"/>
                     </a:solidFill>
@@ -10723,7 +10728,7 @@
               </a:ln>
               <a:extLst>
                 <a:ext uri="{91240B29-F687-4f45-9708-019B960494DF}">
-                  <a14:hiddenLine xmlns:a14="http://schemas.microsoft.com/office/drawing/2010/main" xmlns="" w="9525">
+                  <a14:hiddenLine xmlns="" xmlns:a14="http://schemas.microsoft.com/office/drawing/2010/main" w="9525">
                     <a:solidFill>
                       <a:srgbClr val="000000"/>
                     </a:solidFill>
@@ -10813,7 +10818,7 @@
               </a:ln>
               <a:extLst>
                 <a:ext uri="{91240B29-F687-4f45-9708-019B960494DF}">
-                  <a14:hiddenLine xmlns:a14="http://schemas.microsoft.com/office/drawing/2010/main" xmlns="" w="9525">
+                  <a14:hiddenLine xmlns="" xmlns:a14="http://schemas.microsoft.com/office/drawing/2010/main" w="9525">
                     <a:solidFill>
                       <a:srgbClr val="000000"/>
                     </a:solidFill>
@@ -10878,7 +10883,7 @@
               </a:ln>
               <a:extLst>
                 <a:ext uri="{91240B29-F687-4f45-9708-019B960494DF}">
-                  <a14:hiddenLine xmlns:a14="http://schemas.microsoft.com/office/drawing/2010/main" xmlns="" w="9525">
+                  <a14:hiddenLine xmlns="" xmlns:a14="http://schemas.microsoft.com/office/drawing/2010/main" w="9525">
                     <a:solidFill>
                       <a:srgbClr val="000000"/>
                     </a:solidFill>
@@ -10998,7 +11003,7 @@
               </a:ln>
               <a:extLst>
                 <a:ext uri="{91240B29-F687-4f45-9708-019B960494DF}">
-                  <a14:hiddenLine xmlns:a14="http://schemas.microsoft.com/office/drawing/2010/main" xmlns="" w="9525">
+                  <a14:hiddenLine xmlns="" xmlns:a14="http://schemas.microsoft.com/office/drawing/2010/main" w="9525">
                     <a:solidFill>
                       <a:srgbClr val="000000"/>
                     </a:solidFill>
@@ -11079,7 +11084,7 @@
               </a:ln>
               <a:extLst>
                 <a:ext uri="{91240B29-F687-4f45-9708-019B960494DF}">
-                  <a14:hiddenLine xmlns:a14="http://schemas.microsoft.com/office/drawing/2010/main" xmlns="" w="9525">
+                  <a14:hiddenLine xmlns="" xmlns:a14="http://schemas.microsoft.com/office/drawing/2010/main" w="9525">
                     <a:solidFill>
                       <a:srgbClr val="000000"/>
                     </a:solidFill>
@@ -11194,7 +11199,7 @@
               </a:ln>
               <a:extLst>
                 <a:ext uri="{91240B29-F687-4f45-9708-019B960494DF}">
-                  <a14:hiddenLine xmlns:a14="http://schemas.microsoft.com/office/drawing/2010/main" xmlns="" w="9525">
+                  <a14:hiddenLine xmlns="" xmlns:a14="http://schemas.microsoft.com/office/drawing/2010/main" w="9525">
                     <a:solidFill>
                       <a:srgbClr val="000000"/>
                     </a:solidFill>
@@ -11284,7 +11289,7 @@
               </a:ln>
               <a:extLst>
                 <a:ext uri="{91240B29-F687-4f45-9708-019B960494DF}">
-                  <a14:hiddenLine xmlns:a14="http://schemas.microsoft.com/office/drawing/2010/main" xmlns="" w="9525">
+                  <a14:hiddenLine xmlns="" xmlns:a14="http://schemas.microsoft.com/office/drawing/2010/main" w="9525">
                     <a:solidFill>
                       <a:srgbClr val="000000"/>
                     </a:solidFill>
@@ -11349,7 +11354,7 @@
               </a:ln>
               <a:extLst>
                 <a:ext uri="{91240B29-F687-4f45-9708-019B960494DF}">
-                  <a14:hiddenLine xmlns:a14="http://schemas.microsoft.com/office/drawing/2010/main" xmlns="" w="9525">
+                  <a14:hiddenLine xmlns="" xmlns:a14="http://schemas.microsoft.com/office/drawing/2010/main" w="9525">
                     <a:solidFill>
                       <a:srgbClr val="000000"/>
                     </a:solidFill>
@@ -11439,7 +11444,7 @@
               </a:ln>
               <a:extLst>
                 <a:ext uri="{91240B29-F687-4f45-9708-019B960494DF}">
-                  <a14:hiddenLine xmlns:a14="http://schemas.microsoft.com/office/drawing/2010/main" xmlns="" w="9525">
+                  <a14:hiddenLine xmlns="" xmlns:a14="http://schemas.microsoft.com/office/drawing/2010/main" w="9525">
                     <a:solidFill>
                       <a:srgbClr val="000000"/>
                     </a:solidFill>
@@ -11507,7 +11512,7 @@
               </a:ln>
               <a:extLst>
                 <a:ext uri="{91240B29-F687-4f45-9708-019B960494DF}">
-                  <a14:hiddenLine xmlns:a14="http://schemas.microsoft.com/office/drawing/2010/main" xmlns="" w="9525">
+                  <a14:hiddenLine xmlns="" xmlns:a14="http://schemas.microsoft.com/office/drawing/2010/main" w="9525">
                     <a:solidFill>
                       <a:srgbClr val="000000"/>
                     </a:solidFill>
@@ -11597,7 +11602,7 @@
               </a:ln>
               <a:extLst>
                 <a:ext uri="{91240B29-F687-4f45-9708-019B960494DF}">
-                  <a14:hiddenLine xmlns:a14="http://schemas.microsoft.com/office/drawing/2010/main" xmlns="" w="9525">
+                  <a14:hiddenLine xmlns="" xmlns:a14="http://schemas.microsoft.com/office/drawing/2010/main" w="9525">
                     <a:solidFill>
                       <a:srgbClr val="000000"/>
                     </a:solidFill>
@@ -11665,7 +11670,7 @@
               </a:ln>
               <a:extLst>
                 <a:ext uri="{91240B29-F687-4f45-9708-019B960494DF}">
-                  <a14:hiddenLine xmlns:a14="http://schemas.microsoft.com/office/drawing/2010/main" xmlns="" w="9525">
+                  <a14:hiddenLine xmlns="" xmlns:a14="http://schemas.microsoft.com/office/drawing/2010/main" w="9525">
                     <a:solidFill>
                       <a:srgbClr val="000000"/>
                     </a:solidFill>
@@ -11755,7 +11760,7 @@
               </a:ln>
               <a:extLst>
                 <a:ext uri="{91240B29-F687-4f45-9708-019B960494DF}">
-                  <a14:hiddenLine xmlns:a14="http://schemas.microsoft.com/office/drawing/2010/main" xmlns="" w="9525">
+                  <a14:hiddenLine xmlns="" xmlns:a14="http://schemas.microsoft.com/office/drawing/2010/main" w="9525">
                     <a:solidFill>
                       <a:srgbClr val="000000"/>
                     </a:solidFill>
@@ -11789,7 +11794,7 @@
               </a:ln>
               <a:extLst>
                 <a:ext uri="{91240B29-F687-4f45-9708-019B960494DF}">
-                  <a14:hiddenLine xmlns:a14="http://schemas.microsoft.com/office/drawing/2010/main" xmlns="" w="9525">
+                  <a14:hiddenLine xmlns="" xmlns:a14="http://schemas.microsoft.com/office/drawing/2010/main" w="9525">
                     <a:solidFill>
                       <a:srgbClr val="000000"/>
                     </a:solidFill>
@@ -12567,8 +12572,8 @@
         </p:nvSpPr>
         <p:spPr>
           <a:xfrm>
-            <a:off x="4386261" y="6210300"/>
-            <a:ext cx="4005264" cy="369332"/>
+            <a:off x="3762103" y="6210300"/>
+            <a:ext cx="4963886" cy="369332"/>
           </a:xfrm>
           <a:prstGeom prst="rect">
             <a:avLst/>
@@ -12604,6 +12609,7 @@
           </a:bodyPr>
           <a:lstStyle/>
           <a:p>
+            <a:pPr algn="ctr"/>
             <a:r>
               <a:rPr lang="en-IN" dirty="0" smtClean="0"/>
               <a:t>[ E&amp;TC 3</a:t>
@@ -12700,7 +12706,7 @@
         <p:spPr>
           <a:xfrm>
             <a:off x="4210192" y="304801"/>
-            <a:ext cx="3768437" cy="1015663"/>
+            <a:ext cx="4994768" cy="1015663"/>
           </a:xfrm>
           <a:prstGeom prst="rect">
             <a:avLst/>
@@ -12713,6 +12719,7 @@
           </a:bodyPr>
           <a:lstStyle/>
           <a:p>
+            <a:pPr algn="ctr"/>
             <a:r>
               <a:rPr lang="en-IN" sz="6000" dirty="0" smtClean="0"/>
               <a:t>Project By</a:t>
@@ -12730,7 +12737,7 @@
         <p:spPr>
           <a:xfrm flipH="1">
             <a:off x="1292627" y="1676400"/>
-            <a:ext cx="2766754" cy="461665"/>
+            <a:ext cx="3140036" cy="461665"/>
           </a:xfrm>
           <a:prstGeom prst="rect">
             <a:avLst/>
@@ -12762,6 +12769,91 @@
                 </a:schemeClr>
               </a:solidFill>
             </a:endParaRPr>
+          </a:p>
+        </p:txBody>
+      </p:sp>
+      <p:pic>
+        <p:nvPicPr>
+          <p:cNvPr id="2" name="Picture 1">
+            <a:hlinkClick r:id="rId2"/>
+          </p:cNvPr>
+          <p:cNvPicPr>
+            <a:picLocks noChangeAspect="1"/>
+          </p:cNvPicPr>
+          <p:nvPr/>
+        </p:nvPicPr>
+        <p:blipFill>
+          <a:blip r:embed="rId3" r:link="rId4">
+            <a:extLst>
+              <a:ext uri="{28A0092B-C50C-407E-A947-70E740481C1C}">
+                <a14:useLocalDpi xmlns:a14="http://schemas.microsoft.com/office/drawing/2010/main" val="0"/>
+              </a:ext>
+            </a:extLst>
+          </a:blip>
+          <a:stretch>
+            <a:fillRect/>
+          </a:stretch>
+        </p:blipFill>
+        <p:spPr>
+          <a:xfrm>
+            <a:off x="1412966" y="5582194"/>
+            <a:ext cx="851261" cy="851261"/>
+          </a:xfrm>
+          <a:prstGeom prst="rect">
+            <a:avLst/>
+          </a:prstGeom>
+        </p:spPr>
+      </p:pic>
+      <p:sp>
+        <p:nvSpPr>
+          <p:cNvPr id="6" name="TextBox 5"/>
+          <p:cNvSpPr txBox="1"/>
+          <p:nvPr/>
+        </p:nvSpPr>
+        <p:spPr>
+          <a:xfrm>
+            <a:off x="2124890" y="5824247"/>
+            <a:ext cx="5773783" cy="369332"/>
+          </a:xfrm>
+          <a:prstGeom prst="rect">
+            <a:avLst/>
+          </a:prstGeom>
+          <a:noFill/>
+          <a:ln w="9525" cap="flat" cmpd="sng" algn="ctr">
+            <a:solidFill>
+              <a:schemeClr val="accent2"/>
+            </a:solidFill>
+            <a:prstDash val="solid"/>
+            <a:round/>
+            <a:headEnd type="none" w="med" len="med"/>
+            <a:tailEnd type="none" w="med" len="med"/>
+          </a:ln>
+        </p:spPr>
+        <p:style>
+          <a:lnRef idx="0">
+            <a:scrgbClr r="0" g="0" b="0"/>
+          </a:lnRef>
+          <a:fillRef idx="0">
+            <a:scrgbClr r="0" g="0" b="0"/>
+          </a:fillRef>
+          <a:effectRef idx="0">
+            <a:scrgbClr r="0" g="0" b="0"/>
+          </a:effectRef>
+          <a:fontRef idx="minor">
+            <a:schemeClr val="accent2"/>
+          </a:fontRef>
+        </p:style>
+        <p:txBody>
+          <a:bodyPr wrap="square" rtlCol="0">
+            <a:spAutoFit/>
+          </a:bodyPr>
+          <a:lstStyle/>
+          <a:p>
+            <a:pPr algn="ctr"/>
+            <a:r>
+              <a:rPr lang="en-IN" dirty="0"/>
+              <a:t>https://github.com/HumbleBee14/rfid_attend</a:t>
+            </a:r>
           </a:p>
         </p:txBody>
       </p:sp>
@@ -12813,7 +12905,7 @@
         </p:spPr>
         <p:txBody>
           <a:bodyPr>
-            <a:normAutofit fontScale="77500" lnSpcReduction="20000"/>
+            <a:normAutofit fontScale="70000" lnSpcReduction="20000"/>
           </a:bodyPr>
           <a:lstStyle/>
           <a:p>
@@ -13157,8 +13249,24 @@
             <a:pPr lvl="2"/>
             <a:r>
               <a:rPr lang="en-IN" dirty="0" smtClean="0"/>
-              <a:t>Python [Backend]</a:t>
-            </a:r>
+              <a:t>Python [Backend</a:t>
+            </a:r>
+            <a:r>
+              <a:rPr lang="en-IN" dirty="0" smtClean="0"/>
+              <a:t>]</a:t>
+            </a:r>
+          </a:p>
+          <a:p>
+            <a:pPr lvl="2"/>
+            <a:r>
+              <a:rPr lang="en-IN" dirty="0"/>
+              <a:t>Database: SQL,SQlite3 [Backend</a:t>
+            </a:r>
+            <a:r>
+              <a:rPr lang="en-IN" dirty="0" smtClean="0"/>
+              <a:t>]</a:t>
+            </a:r>
+            <a:endParaRPr lang="en-IN" dirty="0" smtClean="0"/>
           </a:p>
           <a:p>
             <a:pPr lvl="2"/>
@@ -13171,7 +13279,11 @@
             <a:pPr lvl="2"/>
             <a:r>
               <a:rPr lang="en-IN" dirty="0" smtClean="0"/>
-              <a:t>GUI : </a:t>
+              <a:t>GUI </a:t>
+            </a:r>
+            <a:r>
+              <a:rPr lang="en-IN" dirty="0" smtClean="0"/>
+              <a:t>App: </a:t>
             </a:r>
             <a:r>
               <a:rPr lang="en-IN" dirty="0" err="1" smtClean="0"/>
@@ -13180,13 +13292,6 @@
             <a:r>
               <a:rPr lang="en-IN" dirty="0" smtClean="0"/>
               <a:t> [Frontend]</a:t>
-            </a:r>
-          </a:p>
-          <a:p>
-            <a:pPr lvl="2"/>
-            <a:r>
-              <a:rPr lang="en-IN" dirty="0" smtClean="0"/>
-              <a:t>Database: SQL,SQlite3 [Backend]</a:t>
             </a:r>
           </a:p>
           <a:p>
@@ -13301,9 +13406,18 @@
         </p:blipFill>
         <p:spPr>
           <a:xfrm>
-            <a:off x="1570013" y="1015368"/>
-            <a:ext cx="8281851" cy="5661657"/>
+            <a:off x="1570013" y="912724"/>
+            <a:ext cx="8432000" cy="5764302"/>
           </a:xfrm>
+          <a:prstGeom prst="rect">
+            <a:avLst/>
+          </a:prstGeom>
+          <a:ln>
+            <a:noFill/>
+          </a:ln>
+          <a:effectLst>
+            <a:softEdge rad="112500"/>
+          </a:effectLst>
         </p:spPr>
       </p:pic>
     </p:spTree>
@@ -13354,7 +13468,7 @@
         </p:spPr>
         <p:txBody>
           <a:bodyPr>
-            <a:normAutofit lnSpcReduction="10000"/>
+            <a:normAutofit fontScale="92500"/>
           </a:bodyPr>
           <a:lstStyle/>
           <a:p>
